--- a/presentaciones/Modulo 9 Spring Security.pptx
+++ b/presentaciones/Modulo 9 Spring Security.pptx
@@ -273,7 +273,7 @@
           <a:p>
             <a:fld id="{9947E4B7-F257-4C4C-887E-FAB8D4174B66}" type="datetimeFigureOut">
               <a:rPr lang="es-PE" smtClean="0"/>
-              <a:t>21/04/2025</a:t>
+              <a:t>2/05/2025</a:t>
             </a:fld>
             <a:endParaRPr lang="es-PE"/>
           </a:p>
@@ -688,7 +688,7 @@
           <a:p>
             <a:fld id="{9947E4B7-F257-4C4C-887E-FAB8D4174B66}" type="datetimeFigureOut">
               <a:rPr lang="es-PE" smtClean="0"/>
-              <a:t>21/04/2025</a:t>
+              <a:t>2/05/2025</a:t>
             </a:fld>
             <a:endParaRPr lang="es-PE"/>
           </a:p>
@@ -898,7 +898,7 @@
           <a:p>
             <a:fld id="{9947E4B7-F257-4C4C-887E-FAB8D4174B66}" type="datetimeFigureOut">
               <a:rPr lang="es-PE" smtClean="0"/>
-              <a:t>21/04/2025</a:t>
+              <a:t>2/05/2025</a:t>
             </a:fld>
             <a:endParaRPr lang="es-PE"/>
           </a:p>
@@ -1106,7 +1106,7 @@
           <a:p>
             <a:fld id="{9947E4B7-F257-4C4C-887E-FAB8D4174B66}" type="datetimeFigureOut">
               <a:rPr lang="es-PE" smtClean="0"/>
-              <a:t>21/04/2025</a:t>
+              <a:t>2/05/2025</a:t>
             </a:fld>
             <a:endParaRPr lang="es-PE"/>
           </a:p>
@@ -1597,7 +1597,7 @@
           <a:p>
             <a:fld id="{9947E4B7-F257-4C4C-887E-FAB8D4174B66}" type="datetimeFigureOut">
               <a:rPr lang="es-PE" smtClean="0"/>
-              <a:t>21/04/2025</a:t>
+              <a:t>2/05/2025</a:t>
             </a:fld>
             <a:endParaRPr lang="es-PE"/>
           </a:p>
@@ -2080,7 +2080,7 @@
           <a:p>
             <a:fld id="{9947E4B7-F257-4C4C-887E-FAB8D4174B66}" type="datetimeFigureOut">
               <a:rPr lang="es-PE" smtClean="0"/>
-              <a:t>21/04/2025</a:t>
+              <a:t>2/05/2025</a:t>
             </a:fld>
             <a:endParaRPr lang="es-PE"/>
           </a:p>
@@ -2495,7 +2495,7 @@
           <a:p>
             <a:fld id="{9947E4B7-F257-4C4C-887E-FAB8D4174B66}" type="datetimeFigureOut">
               <a:rPr lang="es-PE" smtClean="0"/>
-              <a:t>21/04/2025</a:t>
+              <a:t>2/05/2025</a:t>
             </a:fld>
             <a:endParaRPr lang="es-PE"/>
           </a:p>
@@ -2637,7 +2637,7 @@
           <a:p>
             <a:fld id="{9947E4B7-F257-4C4C-887E-FAB8D4174B66}" type="datetimeFigureOut">
               <a:rPr lang="es-PE" smtClean="0"/>
-              <a:t>21/04/2025</a:t>
+              <a:t>2/05/2025</a:t>
             </a:fld>
             <a:endParaRPr lang="es-PE"/>
           </a:p>
@@ -2750,7 +2750,7 @@
           <a:p>
             <a:fld id="{9947E4B7-F257-4C4C-887E-FAB8D4174B66}" type="datetimeFigureOut">
               <a:rPr lang="es-PE" smtClean="0"/>
-              <a:t>21/04/2025</a:t>
+              <a:t>2/05/2025</a:t>
             </a:fld>
             <a:endParaRPr lang="es-PE"/>
           </a:p>
@@ -3063,7 +3063,7 @@
           <a:p>
             <a:fld id="{9947E4B7-F257-4C4C-887E-FAB8D4174B66}" type="datetimeFigureOut">
               <a:rPr lang="es-PE" smtClean="0"/>
-              <a:t>21/04/2025</a:t>
+              <a:t>2/05/2025</a:t>
             </a:fld>
             <a:endParaRPr lang="es-PE"/>
           </a:p>
@@ -3356,7 +3356,7 @@
           <a:p>
             <a:fld id="{9947E4B7-F257-4C4C-887E-FAB8D4174B66}" type="datetimeFigureOut">
               <a:rPr lang="es-PE" smtClean="0"/>
-              <a:t>21/04/2025</a:t>
+              <a:t>2/05/2025</a:t>
             </a:fld>
             <a:endParaRPr lang="es-PE"/>
           </a:p>
@@ -3599,7 +3599,7 @@
           <a:p>
             <a:fld id="{9947E4B7-F257-4C4C-887E-FAB8D4174B66}" type="datetimeFigureOut">
               <a:rPr lang="es-PE" smtClean="0"/>
-              <a:t>21/04/2025</a:t>
+              <a:t>2/05/2025</a:t>
             </a:fld>
             <a:endParaRPr lang="es-PE"/>
           </a:p>
